--- a/People/NoahCardoso/research-poster/wipNoahPoster.pptx
+++ b/People/NoahCardoso/research-poster/wipNoahPoster.pptx
@@ -1344,8 +1344,8 @@
       </dsp:nvSpPr>
       <dsp:spPr>
         <a:xfrm rot="5400000">
-          <a:off x="2053180" y="665686"/>
-          <a:ext cx="571680" cy="650837"/>
+          <a:off x="2278522" y="724066"/>
+          <a:ext cx="621815" cy="707915"/>
         </a:xfrm>
         <a:prstGeom prst="bentUpArrow">
           <a:avLst>
@@ -1398,8 +1398,8 @@
       </dsp:nvSpPr>
       <dsp:spPr>
         <a:xfrm>
-          <a:off x="1649604" y="23169"/>
-          <a:ext cx="1829211" cy="673629"/>
+          <a:off x="1839554" y="25201"/>
+          <a:ext cx="1989630" cy="732706"/>
         </a:xfrm>
         <a:prstGeom prst="roundRect">
           <a:avLst>
@@ -1472,8 +1472,8 @@
         </a:p>
       </dsp:txBody>
       <dsp:txXfrm>
-        <a:off x="1682494" y="56059"/>
-        <a:ext cx="1763431" cy="607849"/>
+        <a:off x="1875328" y="60975"/>
+        <a:ext cx="1918082" cy="661158"/>
       </dsp:txXfrm>
     </dsp:sp>
     <dsp:sp modelId="{D5567DA8-AFD2-49C3-89D3-C5769728786D}">
@@ -1483,8 +1483,8 @@
       </dsp:nvSpPr>
       <dsp:spPr>
         <a:xfrm>
-          <a:off x="3045396" y="87415"/>
-          <a:ext cx="699938" cy="544457"/>
+          <a:off x="3357754" y="95081"/>
+          <a:ext cx="761321" cy="592205"/>
         </a:xfrm>
         <a:prstGeom prst="rect">
           <a:avLst/>
@@ -1515,8 +1515,8 @@
       </dsp:nvSpPr>
       <dsp:spPr>
         <a:xfrm rot="5400000">
-          <a:off x="3059131" y="1422395"/>
-          <a:ext cx="571680" cy="650837"/>
+          <a:off x="3372693" y="1547137"/>
+          <a:ext cx="621815" cy="707915"/>
         </a:xfrm>
         <a:prstGeom prst="bentUpArrow">
           <a:avLst>
@@ -1569,8 +1569,8 @@
       </dsp:nvSpPr>
       <dsp:spPr>
         <a:xfrm>
-          <a:off x="2655555" y="779878"/>
-          <a:ext cx="1829211" cy="673629"/>
+          <a:off x="2933725" y="848272"/>
+          <a:ext cx="1989630" cy="732706"/>
         </a:xfrm>
         <a:prstGeom prst="roundRect">
           <a:avLst>
@@ -1643,8 +1643,8 @@
         </a:p>
       </dsp:txBody>
       <dsp:txXfrm>
-        <a:off x="2688445" y="812768"/>
-        <a:ext cx="1763431" cy="607849"/>
+        <a:off x="2969499" y="884046"/>
+        <a:ext cx="1918082" cy="661158"/>
       </dsp:txXfrm>
     </dsp:sp>
     <dsp:sp modelId="{00C49CC3-EB32-41E6-BB32-7C1322347569}">
@@ -1654,8 +1654,8 @@
       </dsp:nvSpPr>
       <dsp:spPr>
         <a:xfrm>
-          <a:off x="4051347" y="844124"/>
-          <a:ext cx="699938" cy="544457"/>
+          <a:off x="4451925" y="918152"/>
+          <a:ext cx="761321" cy="592205"/>
         </a:xfrm>
         <a:prstGeom prst="rect">
           <a:avLst/>
@@ -1686,8 +1686,8 @@
       </dsp:nvSpPr>
       <dsp:spPr>
         <a:xfrm rot="5400000">
-          <a:off x="4065082" y="2179104"/>
-          <a:ext cx="571680" cy="650837"/>
+          <a:off x="4466864" y="2370207"/>
+          <a:ext cx="621815" cy="707915"/>
         </a:xfrm>
         <a:prstGeom prst="bentUpArrow">
           <a:avLst>
@@ -1740,8 +1740,8 @@
       </dsp:nvSpPr>
       <dsp:spPr>
         <a:xfrm>
-          <a:off x="3661506" y="1536587"/>
-          <a:ext cx="1829211" cy="673629"/>
+          <a:off x="4027895" y="1671342"/>
+          <a:ext cx="1989630" cy="732706"/>
         </a:xfrm>
         <a:prstGeom prst="roundRect">
           <a:avLst>
@@ -1810,8 +1810,8 @@
         </a:p>
       </dsp:txBody>
       <dsp:txXfrm>
-        <a:off x="3694396" y="1569477"/>
-        <a:ext cx="1763431" cy="607849"/>
+        <a:off x="4063669" y="1707116"/>
+        <a:ext cx="1918082" cy="661158"/>
       </dsp:txXfrm>
     </dsp:sp>
     <dsp:sp modelId="{2A5CE248-B029-4B5B-8C2B-FB12AE3F339C}">
@@ -1821,8 +1821,8 @@
       </dsp:nvSpPr>
       <dsp:spPr>
         <a:xfrm>
-          <a:off x="5057298" y="1600832"/>
-          <a:ext cx="699938" cy="544457"/>
+          <a:off x="5546096" y="1741223"/>
+          <a:ext cx="761321" cy="592205"/>
         </a:xfrm>
         <a:prstGeom prst="rect">
           <a:avLst/>
@@ -1853,8 +1853,8 @@
       </dsp:nvSpPr>
       <dsp:spPr>
         <a:xfrm rot="5400000">
-          <a:off x="5071032" y="2935813"/>
-          <a:ext cx="571680" cy="650837"/>
+          <a:off x="5561035" y="3193278"/>
+          <a:ext cx="621815" cy="707915"/>
         </a:xfrm>
         <a:prstGeom prst="bentUpArrow">
           <a:avLst>
@@ -1907,8 +1907,8 @@
       </dsp:nvSpPr>
       <dsp:spPr>
         <a:xfrm>
-          <a:off x="4667457" y="2293295"/>
-          <a:ext cx="1829211" cy="673629"/>
+          <a:off x="5122066" y="2494413"/>
+          <a:ext cx="1989630" cy="732706"/>
         </a:xfrm>
         <a:prstGeom prst="roundRect">
           <a:avLst>
@@ -1977,8 +1977,8 @@
         </a:p>
       </dsp:txBody>
       <dsp:txXfrm>
-        <a:off x="4700347" y="2326185"/>
-        <a:ext cx="1763431" cy="607849"/>
+        <a:off x="5157840" y="2530187"/>
+        <a:ext cx="1918082" cy="661158"/>
       </dsp:txXfrm>
     </dsp:sp>
     <dsp:sp modelId="{2D6E10A2-F1DA-4294-A708-FB8D06D14C0E}">
@@ -1988,8 +1988,8 @@
       </dsp:nvSpPr>
       <dsp:spPr>
         <a:xfrm>
-          <a:off x="6063249" y="2357541"/>
-          <a:ext cx="699938" cy="544457"/>
+          <a:off x="6640267" y="2564293"/>
+          <a:ext cx="761321" cy="592205"/>
         </a:xfrm>
         <a:prstGeom prst="rect">
           <a:avLst/>
@@ -2020,8 +2020,8 @@
       </dsp:nvSpPr>
       <dsp:spPr>
         <a:xfrm>
-          <a:off x="5673407" y="3050004"/>
-          <a:ext cx="1829211" cy="673629"/>
+          <a:off x="6216237" y="3317484"/>
+          <a:ext cx="1989630" cy="732706"/>
         </a:xfrm>
         <a:prstGeom prst="roundRect">
           <a:avLst>
@@ -2090,8 +2090,8 @@
         </a:p>
       </dsp:txBody>
       <dsp:txXfrm>
-        <a:off x="5706297" y="3082894"/>
-        <a:ext cx="1763431" cy="607849"/>
+        <a:off x="6252011" y="3353258"/>
+        <a:ext cx="1918082" cy="661158"/>
       </dsp:txXfrm>
     </dsp:sp>
   </dsp:spTree>
@@ -3532,7 +3532,7 @@
           <a:p>
             <a:fld id="{57C551B3-5978-43BB-B5E6-C2770BA3684D}" type="datetimeFigureOut">
               <a:rPr lang="en-CA" smtClean="0"/>
-              <a:t>2024-08-12</a:t>
+              <a:t>2024-08-13</a:t>
             </a:fld>
             <a:endParaRPr lang="en-CA"/>
           </a:p>
@@ -4015,7 +4015,7 @@
           <a:p>
             <a:fld id="{861E132A-DEB2-4D7F-AB88-2444701CC7A8}" type="datetimeFigureOut">
               <a:rPr lang="en-CA" smtClean="0"/>
-              <a:t>2024-08-09</a:t>
+              <a:t>2024-08-13</a:t>
             </a:fld>
             <a:endParaRPr lang="en-CA"/>
           </a:p>
@@ -4185,7 +4185,7 @@
           <a:p>
             <a:fld id="{861E132A-DEB2-4D7F-AB88-2444701CC7A8}" type="datetimeFigureOut">
               <a:rPr lang="en-CA" smtClean="0"/>
-              <a:t>2024-08-09</a:t>
+              <a:t>2024-08-13</a:t>
             </a:fld>
             <a:endParaRPr lang="en-CA"/>
           </a:p>
@@ -4365,7 +4365,7 @@
           <a:p>
             <a:fld id="{861E132A-DEB2-4D7F-AB88-2444701CC7A8}" type="datetimeFigureOut">
               <a:rPr lang="en-CA" smtClean="0"/>
-              <a:t>2024-08-09</a:t>
+              <a:t>2024-08-13</a:t>
             </a:fld>
             <a:endParaRPr lang="en-CA"/>
           </a:p>
@@ -4535,7 +4535,7 @@
           <a:p>
             <a:fld id="{861E132A-DEB2-4D7F-AB88-2444701CC7A8}" type="datetimeFigureOut">
               <a:rPr lang="en-CA" smtClean="0"/>
-              <a:t>2024-08-09</a:t>
+              <a:t>2024-08-13</a:t>
             </a:fld>
             <a:endParaRPr lang="en-CA"/>
           </a:p>
@@ -4781,7 +4781,7 @@
           <a:p>
             <a:fld id="{861E132A-DEB2-4D7F-AB88-2444701CC7A8}" type="datetimeFigureOut">
               <a:rPr lang="en-CA" smtClean="0"/>
-              <a:t>2024-08-09</a:t>
+              <a:t>2024-08-13</a:t>
             </a:fld>
             <a:endParaRPr lang="en-CA"/>
           </a:p>
@@ -5013,7 +5013,7 @@
           <a:p>
             <a:fld id="{861E132A-DEB2-4D7F-AB88-2444701CC7A8}" type="datetimeFigureOut">
               <a:rPr lang="en-CA" smtClean="0"/>
-              <a:t>2024-08-09</a:t>
+              <a:t>2024-08-13</a:t>
             </a:fld>
             <a:endParaRPr lang="en-CA"/>
           </a:p>
@@ -5380,7 +5380,7 @@
           <a:p>
             <a:fld id="{861E132A-DEB2-4D7F-AB88-2444701CC7A8}" type="datetimeFigureOut">
               <a:rPr lang="en-CA" smtClean="0"/>
-              <a:t>2024-08-09</a:t>
+              <a:t>2024-08-13</a:t>
             </a:fld>
             <a:endParaRPr lang="en-CA"/>
           </a:p>
@@ -5498,7 +5498,7 @@
           <a:p>
             <a:fld id="{861E132A-DEB2-4D7F-AB88-2444701CC7A8}" type="datetimeFigureOut">
               <a:rPr lang="en-CA" smtClean="0"/>
-              <a:t>2024-08-09</a:t>
+              <a:t>2024-08-13</a:t>
             </a:fld>
             <a:endParaRPr lang="en-CA"/>
           </a:p>
@@ -5593,7 +5593,7 @@
           <a:p>
             <a:fld id="{861E132A-DEB2-4D7F-AB88-2444701CC7A8}" type="datetimeFigureOut">
               <a:rPr lang="en-CA" smtClean="0"/>
-              <a:t>2024-08-09</a:t>
+              <a:t>2024-08-13</a:t>
             </a:fld>
             <a:endParaRPr lang="en-CA"/>
           </a:p>
@@ -5870,7 +5870,7 @@
           <a:p>
             <a:fld id="{861E132A-DEB2-4D7F-AB88-2444701CC7A8}" type="datetimeFigureOut">
               <a:rPr lang="en-CA" smtClean="0"/>
-              <a:t>2024-08-09</a:t>
+              <a:t>2024-08-13</a:t>
             </a:fld>
             <a:endParaRPr lang="en-CA"/>
           </a:p>
@@ -6127,7 +6127,7 @@
           <a:p>
             <a:fld id="{861E132A-DEB2-4D7F-AB88-2444701CC7A8}" type="datetimeFigureOut">
               <a:rPr lang="en-CA" smtClean="0"/>
-              <a:t>2024-08-09</a:t>
+              <a:t>2024-08-13</a:t>
             </a:fld>
             <a:endParaRPr lang="en-CA"/>
           </a:p>
@@ -6340,7 +6340,7 @@
           <a:p>
             <a:fld id="{861E132A-DEB2-4D7F-AB88-2444701CC7A8}" type="datetimeFigureOut">
               <a:rPr lang="en-CA" smtClean="0"/>
-              <a:t>2024-08-09</a:t>
+              <a:t>2024-08-13</a:t>
             </a:fld>
             <a:endParaRPr lang="en-CA"/>
           </a:p>
@@ -6987,6 +6987,62 @@
       </p:sp>
       <p:sp>
         <p:nvSpPr>
+          <p:cNvPr id="13" name="Rectangle 12">
+            <a:extLst>
+              <a:ext uri="{FF2B5EF4-FFF2-40B4-BE49-F238E27FC236}">
+                <a16:creationId xmlns:a16="http://schemas.microsoft.com/office/drawing/2014/main" id="{0C44E037-F07D-558D-85D8-476BD092A2C7}"/>
+              </a:ext>
+            </a:extLst>
+          </p:cNvPr>
+          <p:cNvSpPr>
+            <a:spLocks/>
+          </p:cNvSpPr>
+          <p:nvPr/>
+        </p:nvSpPr>
+        <p:spPr>
+          <a:xfrm>
+            <a:off x="9708214" y="5448375"/>
+            <a:ext cx="14227007" cy="14040000"/>
+          </a:xfrm>
+          <a:prstGeom prst="rect">
+            <a:avLst/>
+          </a:prstGeom>
+          <a:solidFill>
+            <a:schemeClr val="bg1"/>
+          </a:solidFill>
+          <a:ln>
+            <a:solidFill>
+              <a:schemeClr val="tx1"/>
+            </a:solidFill>
+          </a:ln>
+        </p:spPr>
+        <p:style>
+          <a:lnRef idx="2">
+            <a:schemeClr val="accent1">
+              <a:shade val="15000"/>
+            </a:schemeClr>
+          </a:lnRef>
+          <a:fillRef idx="1">
+            <a:schemeClr val="accent1"/>
+          </a:fillRef>
+          <a:effectRef idx="0">
+            <a:schemeClr val="accent1"/>
+          </a:effectRef>
+          <a:fontRef idx="minor">
+            <a:schemeClr val="lt1"/>
+          </a:fontRef>
+        </p:style>
+        <p:txBody>
+          <a:bodyPr rtlCol="0" anchor="ctr"/>
+          <a:lstStyle/>
+          <a:p>
+            <a:pPr algn="ctr"/>
+            <a:endParaRPr lang="en-CA" dirty="0"/>
+          </a:p>
+        </p:txBody>
+      </p:sp>
+      <p:sp>
+        <p:nvSpPr>
           <p:cNvPr id="12" name="Rectangle 11">
             <a:extLst>
               <a:ext uri="{FF2B5EF4-FFF2-40B4-BE49-F238E27FC236}">
@@ -7001,8 +7057,8 @@
         </p:nvSpPr>
         <p:spPr>
           <a:xfrm>
-            <a:off x="1387810" y="5550149"/>
-            <a:ext cx="8302505" cy="13631273"/>
+            <a:off x="1314662" y="5448375"/>
+            <a:ext cx="8302505" cy="14040000"/>
           </a:xfrm>
           <a:prstGeom prst="rect">
             <a:avLst/>
@@ -7011,7 +7067,9 @@
             <a:schemeClr val="bg1"/>
           </a:solidFill>
           <a:ln>
-            <a:noFill/>
+            <a:solidFill>
+              <a:schemeClr val="tx1"/>
+            </a:solidFill>
           </a:ln>
         </p:spPr>
         <p:style>
@@ -7204,10 +7262,10 @@
       </p:pic>
       <p:sp>
         <p:nvSpPr>
-          <p:cNvPr id="13" name="Rectangle 12">
+          <p:cNvPr id="16" name="Freeform: Shape 15">
             <a:extLst>
               <a:ext uri="{FF2B5EF4-FFF2-40B4-BE49-F238E27FC236}">
-                <a16:creationId xmlns:a16="http://schemas.microsoft.com/office/drawing/2014/main" id="{0C44E037-F07D-558D-85D8-476BD092A2C7}"/>
+                <a16:creationId xmlns:a16="http://schemas.microsoft.com/office/drawing/2014/main" id="{606CDBE4-EC32-51CA-9317-00558E3EE4F5}"/>
               </a:ext>
             </a:extLst>
           </p:cNvPr>
@@ -7218,59 +7276,7 @@
         </p:nvSpPr>
         <p:spPr>
           <a:xfrm>
-            <a:off x="9896936" y="5407090"/>
-            <a:ext cx="13847351" cy="13631273"/>
-          </a:xfrm>
-          <a:prstGeom prst="rect">
-            <a:avLst/>
-          </a:prstGeom>
-          <a:solidFill>
-            <a:schemeClr val="bg1"/>
-          </a:solidFill>
-          <a:ln>
-            <a:noFill/>
-          </a:ln>
-        </p:spPr>
-        <p:style>
-          <a:lnRef idx="2">
-            <a:schemeClr val="accent1">
-              <a:shade val="15000"/>
-            </a:schemeClr>
-          </a:lnRef>
-          <a:fillRef idx="1">
-            <a:schemeClr val="accent1"/>
-          </a:fillRef>
-          <a:effectRef idx="0">
-            <a:schemeClr val="accent1"/>
-          </a:effectRef>
-          <a:fontRef idx="minor">
-            <a:schemeClr val="lt1"/>
-          </a:fontRef>
-        </p:style>
-        <p:txBody>
-          <a:bodyPr rtlCol="0" anchor="ctr"/>
-          <a:lstStyle/>
-          <a:p>
-            <a:pPr algn="ctr"/>
-            <a:endParaRPr lang="en-CA" dirty="0"/>
-          </a:p>
-        </p:txBody>
-      </p:sp>
-      <p:sp>
-        <p:nvSpPr>
-          <p:cNvPr id="16" name="Freeform: Shape 15">
-            <a:extLst>
-              <a:ext uri="{FF2B5EF4-FFF2-40B4-BE49-F238E27FC236}">
-                <a16:creationId xmlns:a16="http://schemas.microsoft.com/office/drawing/2014/main" id="{606CDBE4-EC32-51CA-9317-00558E3EE4F5}"/>
-              </a:ext>
-            </a:extLst>
-          </p:cNvPr>
-          <p:cNvSpPr/>
-          <p:nvPr/>
-        </p:nvSpPr>
-        <p:spPr>
-          <a:xfrm>
-            <a:off x="1338645" y="5400677"/>
+            <a:off x="1314662" y="5442096"/>
             <a:ext cx="8301600" cy="586800"/>
           </a:xfrm>
           <a:custGeom>
@@ -7391,8 +7397,8 @@
         </p:nvSpPr>
         <p:spPr>
           <a:xfrm>
-            <a:off x="1666187" y="6266914"/>
-            <a:ext cx="7813340" cy="1617521"/>
+            <a:off x="1360638" y="6168642"/>
+            <a:ext cx="8301600" cy="1617521"/>
           </a:xfrm>
           <a:custGeom>
             <a:avLst/>
@@ -7511,6 +7517,12 @@
               </a:rPr>
               <a:t>.</a:t>
             </a:r>
+            <a:endParaRPr lang="en-US" sz="1800" baseline="30000" dirty="0">
+              <a:solidFill>
+                <a:schemeClr val="tx1"/>
+              </a:solidFill>
+              <a:cs typeface="Courier New" panose="02070309020205020404" pitchFamily="49" charset="0"/>
+            </a:endParaRPr>
           </a:p>
           <a:p>
             <a:endParaRPr lang="en-US" sz="1800" dirty="0">
@@ -7583,13 +7595,15 @@
               </a:ext>
             </a:extLst>
           </p:cNvPr>
-          <p:cNvSpPr/>
+          <p:cNvSpPr>
+            <a:spLocks noGrp="1" noRot="1" noMove="1" noResize="1" noEditPoints="1" noAdjustHandles="1" noChangeArrowheads="1" noChangeShapeType="1"/>
+          </p:cNvSpPr>
           <p:nvPr/>
         </p:nvSpPr>
         <p:spPr>
           <a:xfrm>
-            <a:off x="1372123" y="7884435"/>
-            <a:ext cx="8302504" cy="587715"/>
+            <a:off x="1314662" y="7884435"/>
+            <a:ext cx="8301600" cy="587715"/>
           </a:xfrm>
           <a:custGeom>
             <a:avLst/>
@@ -7711,8 +7725,8 @@
         </p:nvSpPr>
         <p:spPr>
           <a:xfrm>
-            <a:off x="1410837" y="8536782"/>
-            <a:ext cx="8279478" cy="1925491"/>
+            <a:off x="1398882" y="8579888"/>
+            <a:ext cx="8301600" cy="2391345"/>
           </a:xfrm>
           <a:custGeom>
             <a:avLst/>
@@ -7820,8 +7834,34 @@
                 </a:solidFill>
                 <a:cs typeface="Courier New" panose="02070309020205020404" pitchFamily="49" charset="0"/>
               </a:rPr>
-              <a:t>? Drasil is a software framework written in Haskell that generates all software artifacts () based on a single specification in a domain-specific language (DSL).</a:t>
-            </a:r>
+              <a:t>? Drasil is a software framework written in Haskell that generates all software artifacts (requirements, design, code, tests, build scripts, </a:t>
+            </a:r>
+          </a:p>
+          <a:p>
+            <a:r>
+              <a:rPr lang="en-US" sz="1800" i="0" u="none" strike="noStrike" baseline="0" dirty="0">
+                <a:solidFill>
+                  <a:schemeClr val="tx1"/>
+                </a:solidFill>
+                <a:cs typeface="Courier New" panose="02070309020205020404" pitchFamily="49" charset="0"/>
+              </a:rPr>
+              <a:t>documentation) based on a single specification in a domain-specific language (DSL).</a:t>
+            </a:r>
+            <a:r>
+              <a:rPr lang="en-US" sz="1800" i="0" u="none" strike="noStrike" baseline="30000" dirty="0">
+                <a:solidFill>
+                  <a:schemeClr val="tx1"/>
+                </a:solidFill>
+                <a:cs typeface="Courier New" panose="02070309020205020404" pitchFamily="49" charset="0"/>
+              </a:rPr>
+              <a:t>[1]</a:t>
+            </a:r>
+            <a:endParaRPr lang="en-US" sz="1800" baseline="30000" dirty="0">
+              <a:solidFill>
+                <a:schemeClr val="tx1"/>
+              </a:solidFill>
+              <a:cs typeface="Courier New" panose="02070309020205020404" pitchFamily="49" charset="0"/>
+            </a:endParaRPr>
           </a:p>
           <a:p>
             <a:br>
@@ -7903,8 +7943,8 @@
         </p:nvSpPr>
         <p:spPr>
           <a:xfrm>
-            <a:off x="9929977" y="5448377"/>
-            <a:ext cx="13814309" cy="1040039"/>
+            <a:off x="9707309" y="5448377"/>
+            <a:ext cx="14227007" cy="1040039"/>
           </a:xfrm>
           <a:custGeom>
             <a:avLst/>
@@ -8019,12 +8059,14 @@
               </a:ext>
             </a:extLst>
           </p:cNvPr>
-          <p:cNvSpPr/>
+          <p:cNvSpPr>
+            <a:spLocks noGrp="1" noRot="1" noMove="1" noResize="1" noEditPoints="1" noAdjustHandles="1" noChangeArrowheads="1" noChangeShapeType="1"/>
+          </p:cNvSpPr>
           <p:nvPr/>
         </p:nvSpPr>
         <p:spPr>
           <a:xfrm>
-            <a:off x="1355673" y="10977763"/>
+            <a:off x="1314662" y="11178929"/>
             <a:ext cx="8301600" cy="586800"/>
           </a:xfrm>
           <a:custGeom>
@@ -8159,7 +8201,9 @@
             <a:schemeClr val="bg1"/>
           </a:solidFill>
           <a:ln>
-            <a:noFill/>
+            <a:solidFill>
+              <a:schemeClr val="tx1"/>
+            </a:solidFill>
           </a:ln>
         </p:spPr>
         <p:style>
@@ -8196,12 +8240,14 @@
               </a:ext>
             </a:extLst>
           </p:cNvPr>
-          <p:cNvSpPr/>
+          <p:cNvSpPr>
+            <a:spLocks noGrp="1" noRot="1" noMove="1" noResize="1" noEditPoints="1" noAdjustHandles="1" noChangeArrowheads="1" noChangeShapeType="1"/>
+          </p:cNvSpPr>
           <p:nvPr/>
         </p:nvSpPr>
         <p:spPr>
           <a:xfrm>
-            <a:off x="1355673" y="15803242"/>
+            <a:off x="1323299" y="16087400"/>
             <a:ext cx="8301600" cy="586800"/>
           </a:xfrm>
           <a:custGeom>
@@ -8322,8 +8368,8 @@
         </p:nvSpPr>
         <p:spPr>
           <a:xfrm>
-            <a:off x="23935221" y="5427163"/>
-            <a:ext cx="8301600" cy="586800"/>
+            <a:off x="23983950" y="5439530"/>
+            <a:ext cx="8211458" cy="586800"/>
           </a:xfrm>
           <a:custGeom>
             <a:avLst/>
@@ -8602,7 +8648,7 @@
         </p:nvSpPr>
         <p:spPr>
           <a:xfrm>
-            <a:off x="1541574" y="16643337"/>
+            <a:off x="1519274" y="16881896"/>
             <a:ext cx="7375191" cy="2740203"/>
           </a:xfrm>
           <a:custGeom>
@@ -8761,7 +8807,7 @@
         </p:nvSpPr>
         <p:spPr>
           <a:xfrm>
-            <a:off x="24108637" y="6445845"/>
+            <a:off x="24099183" y="6203368"/>
             <a:ext cx="7962084" cy="4223091"/>
           </a:xfrm>
           <a:custGeom>
@@ -9178,18 +9224,20 @@
               </a:ext>
             </a:extLst>
           </p:cNvPr>
-          <p:cNvGraphicFramePr/>
+          <p:cNvGraphicFramePr>
+            <a:graphicFrameLocks noGrp="1" noDrilldown="1" noMove="1" noResize="1"/>
+          </p:cNvGraphicFramePr>
           <p:nvPr>
             <p:extLst>
               <p:ext uri="{D42A27DB-BD31-4B8C-83A1-F6EECF244321}">
-                <p14:modId xmlns:p14="http://schemas.microsoft.com/office/powerpoint/2010/main" val="2426013098"/>
+                <p14:modId xmlns:p14="http://schemas.microsoft.com/office/powerpoint/2010/main" val="3324057723"/>
               </p:ext>
             </p:extLst>
           </p:nvPr>
         </p:nvGraphicFramePr>
         <p:xfrm>
-          <a:off x="327303" y="11662111"/>
-          <a:ext cx="9152224" cy="3746804"/>
+          <a:off x="195671" y="11878284"/>
+          <a:ext cx="10045422" cy="4075392"/>
         </p:xfrm>
         <a:graphic>
           <a:graphicData uri="http://schemas.openxmlformats.org/drawingml/2006/diagram">
@@ -9197,67 +9245,6 @@
           </a:graphicData>
         </a:graphic>
       </p:graphicFrame>
-      <p:pic>
-        <p:nvPicPr>
-          <p:cNvPr id="1029" name="Picture 1028">
-            <a:extLst>
-              <a:ext uri="{FF2B5EF4-FFF2-40B4-BE49-F238E27FC236}">
-                <a16:creationId xmlns:a16="http://schemas.microsoft.com/office/drawing/2014/main" id="{D0C54874-B176-8E57-F004-F4CEAAC131DA}"/>
-              </a:ext>
-            </a:extLst>
-          </p:cNvPr>
-          <p:cNvPicPr>
-            <a:picLocks noGrp="1" noRot="1" noChangeAspect="1" noMove="1" noResize="1" noEditPoints="1" noAdjustHandles="1" noChangeArrowheads="1" noChangeShapeType="1" noCrop="1"/>
-          </p:cNvPicPr>
-          <p:nvPr/>
-        </p:nvPicPr>
-        <p:blipFill>
-          <a:blip r:embed="rId10"/>
-          <a:stretch>
-            <a:fillRect/>
-          </a:stretch>
-        </p:blipFill>
-        <p:spPr>
-          <a:xfrm>
-            <a:off x="10107176" y="6754993"/>
-            <a:ext cx="13545226" cy="7227469"/>
-          </a:xfrm>
-          <a:prstGeom prst="rect">
-            <a:avLst/>
-          </a:prstGeom>
-        </p:spPr>
-      </p:pic>
-      <p:pic>
-        <p:nvPicPr>
-          <p:cNvPr id="1034" name="Picture 1033">
-            <a:extLst>
-              <a:ext uri="{FF2B5EF4-FFF2-40B4-BE49-F238E27FC236}">
-                <a16:creationId xmlns:a16="http://schemas.microsoft.com/office/drawing/2014/main" id="{C10327D2-3ECE-7A2A-3EFD-BB54B0DC8405}"/>
-              </a:ext>
-            </a:extLst>
-          </p:cNvPr>
-          <p:cNvPicPr>
-            <a:picLocks noGrp="1" noRot="1" noChangeAspect="1" noMove="1" noResize="1" noEditPoints="1" noAdjustHandles="1" noChangeArrowheads="1" noChangeShapeType="1" noCrop="1"/>
-          </p:cNvPicPr>
-          <p:nvPr/>
-        </p:nvPicPr>
-        <p:blipFill rotWithShape="1">
-          <a:blip r:embed="rId11">
-            <a:alphaModFix/>
-          </a:blip>
-          <a:srcRect r="5932"/>
-          <a:stretch/>
-        </p:blipFill>
-        <p:spPr>
-          <a:xfrm>
-            <a:off x="10105602" y="12550889"/>
-            <a:ext cx="13546800" cy="4740770"/>
-          </a:xfrm>
-          <a:prstGeom prst="rect">
-            <a:avLst/>
-          </a:prstGeom>
-        </p:spPr>
-      </p:pic>
       <p:sp>
         <p:nvSpPr>
           <p:cNvPr id="1041" name="Freeform: Shape 1040">
@@ -9272,8 +9259,8 @@
         </p:nvSpPr>
         <p:spPr>
           <a:xfrm>
-            <a:off x="23983950" y="10790928"/>
-            <a:ext cx="8301600" cy="586800"/>
+            <a:off x="23983044" y="10768393"/>
+            <a:ext cx="8212363" cy="586800"/>
           </a:xfrm>
           <a:custGeom>
             <a:avLst/>
@@ -9393,8 +9380,8 @@
         </p:nvSpPr>
         <p:spPr>
           <a:xfrm>
-            <a:off x="24039418" y="16488311"/>
-            <a:ext cx="8301600" cy="586800"/>
+            <a:off x="23979229" y="16471478"/>
+            <a:ext cx="8201992" cy="586800"/>
           </a:xfrm>
           <a:custGeom>
             <a:avLst/>
@@ -9514,8 +9501,8 @@
         </p:nvSpPr>
         <p:spPr>
           <a:xfrm>
-            <a:off x="23935221" y="13751614"/>
-            <a:ext cx="8301600" cy="586800"/>
+            <a:off x="23983044" y="13773905"/>
+            <a:ext cx="8212364" cy="586800"/>
           </a:xfrm>
           <a:custGeom>
             <a:avLst/>
@@ -9635,8 +9622,8 @@
         </p:nvSpPr>
         <p:spPr>
           <a:xfrm>
-            <a:off x="24000978" y="14590645"/>
-            <a:ext cx="7245351" cy="1191022"/>
+            <a:off x="24000978" y="14590644"/>
+            <a:ext cx="7918218" cy="1372033"/>
           </a:xfrm>
           <a:custGeom>
             <a:avLst/>
@@ -9720,16 +9707,34 @@
           <a:lstStyle/>
           <a:p>
             <a:r>
-              <a:rPr lang="en-US" sz="2000" dirty="0">
+              <a:rPr lang="en-US" sz="1800" dirty="0">
                 <a:solidFill>
                   <a:schemeClr val="tx1"/>
                 </a:solidFill>
                 <a:cs typeface="Courier New" panose="02070309020205020404" pitchFamily="49" charset="0"/>
               </a:rPr>
-              <a:t>[1] “</a:t>
-            </a:r>
-            <a:r>
-              <a:rPr lang="en-US" sz="2000" dirty="0" err="1">
+              <a:t>[1] D. </a:t>
+            </a:r>
+            <a:r>
+              <a:rPr lang="en-US" sz="1800" dirty="0" err="1">
+                <a:solidFill>
+                  <a:schemeClr val="tx1"/>
+                </a:solidFill>
+                <a:cs typeface="Courier New" panose="02070309020205020404" pitchFamily="49" charset="0"/>
+              </a:rPr>
+              <a:t>Szymczak</a:t>
+            </a:r>
+            <a:r>
+              <a:rPr lang="en-US" sz="1800" dirty="0">
+                <a:solidFill>
+                  <a:schemeClr val="tx1"/>
+                </a:solidFill>
+                <a:cs typeface="Courier New" panose="02070309020205020404" pitchFamily="49" charset="0"/>
+              </a:rPr>
+              <a:t>, S. Smith and J. </a:t>
+            </a:r>
+            <a:r>
+              <a:rPr lang="en-US" sz="1800" dirty="0" err="1">
                 <a:solidFill>
                   <a:schemeClr val="tx1"/>
                 </a:solidFill>
@@ -9738,34 +9743,47 @@
               <a:t>Carette</a:t>
             </a:r>
             <a:r>
-              <a:rPr lang="en-US" sz="2000" dirty="0">
+              <a:rPr lang="en-US" sz="1800" dirty="0">
                 <a:solidFill>
                   <a:schemeClr val="tx1"/>
                 </a:solidFill>
                 <a:cs typeface="Courier New" panose="02070309020205020404" pitchFamily="49" charset="0"/>
               </a:rPr>
-              <a:t>, Jacques &amp; Smith, Spencer &amp; Balaci, Jason. (2023). Generating Software for Well-Understood Domain. 10.48550/</a:t>
-            </a:r>
-            <a:r>
-              <a:rPr lang="en-US" sz="2000" dirty="0" err="1">
+              <a:t>, "POSITION PAPER: A Knowledge-</a:t>
+            </a:r>
+          </a:p>
+          <a:p>
+            <a:r>
+              <a:rPr lang="en-US" sz="1800" dirty="0">
                 <a:solidFill>
                   <a:schemeClr val="tx1"/>
                 </a:solidFill>
                 <a:cs typeface="Courier New" panose="02070309020205020404" pitchFamily="49" charset="0"/>
               </a:rPr>
-              <a:t>arXiv</a:t>
-            </a:r>
-            <a:r>
-              <a:rPr lang="en-US" sz="2000" dirty="0">
+              <a:t> 	Based Approach to Scientific Software Development," 2016 IEEE/ACM </a:t>
+            </a:r>
+          </a:p>
+          <a:p>
+            <a:r>
+              <a:rPr lang="en-US" sz="1800" dirty="0">
                 <a:solidFill>
                   <a:schemeClr val="tx1"/>
                 </a:solidFill>
                 <a:cs typeface="Courier New" panose="02070309020205020404" pitchFamily="49" charset="0"/>
               </a:rPr>
-              <a:t>/2302/00740.</a:t>
-            </a:r>
-          </a:p>
-          <a:p>
+              <a:t>	International Workshop on Software Engineering for Science </a:t>
+            </a:r>
+          </a:p>
+          <a:p>
+            <a:r>
+              <a:rPr lang="en-US" sz="1800" dirty="0">
+                <a:solidFill>
+                  <a:schemeClr val="tx1"/>
+                </a:solidFill>
+                <a:cs typeface="Courier New" panose="02070309020205020404" pitchFamily="49" charset="0"/>
+              </a:rPr>
+              <a:t>	(SE4Science), Austin, TX, USA, 2016, pp. 23-26</a:t>
+            </a:r>
             <a:endParaRPr lang="en-US" sz="2000" dirty="0">
               <a:solidFill>
                 <a:schemeClr val="tx1"/>
@@ -9805,7 +9823,7 @@
         </p:nvSpPr>
         <p:spPr>
           <a:xfrm>
-            <a:off x="24150217" y="17222621"/>
+            <a:off x="24040272" y="17197058"/>
             <a:ext cx="7878924" cy="2231136"/>
           </a:xfrm>
           <a:custGeom>
@@ -9890,7 +9908,7 @@
           <a:lstStyle/>
           <a:p>
             <a:r>
-              <a:rPr lang="en-US" sz="2000" b="1" dirty="0">
+              <a:rPr lang="en-US" sz="1800" b="1" dirty="0">
                 <a:solidFill>
                   <a:schemeClr val="tx1"/>
                 </a:solidFill>
@@ -9899,7 +9917,7 @@
               <a:t>Acknowledgements</a:t>
             </a:r>
             <a:r>
-              <a:rPr lang="en-US" sz="2000" dirty="0">
+              <a:rPr lang="en-US" sz="1800" dirty="0">
                 <a:solidFill>
                   <a:schemeClr val="tx1"/>
                 </a:solidFill>
@@ -9908,7 +9926,7 @@
               <a:t>: I want to acknowledge the support of Dr. </a:t>
             </a:r>
             <a:r>
-              <a:rPr lang="en-US" sz="2000" dirty="0" err="1">
+              <a:rPr lang="en-US" sz="1800" dirty="0" err="1">
                 <a:solidFill>
                   <a:schemeClr val="tx1"/>
                 </a:solidFill>
@@ -9917,28 +9935,17 @@
               <a:t>Carette</a:t>
             </a:r>
             <a:r>
-              <a:rPr lang="en-US" sz="2000" dirty="0">
+              <a:rPr lang="en-US" sz="1800" dirty="0">
                 <a:solidFill>
                   <a:schemeClr val="tx1"/>
                 </a:solidFill>
                 <a:cs typeface="Courier New" panose="02070309020205020404" pitchFamily="49" charset="0"/>
               </a:rPr>
-              <a:t> and Dr. Smith in making this opportunity available to me and being available for guidance throughout the summer.</a:t>
-            </a:r>
-          </a:p>
-          <a:p>
-            <a:r>
-              <a:rPr lang="en-US" sz="2000" dirty="0">
-                <a:solidFill>
-                  <a:schemeClr val="tx1"/>
-                </a:solidFill>
-                <a:cs typeface="Courier New" panose="02070309020205020404" pitchFamily="49" charset="0"/>
-              </a:rPr>
-              <a:t>I would like to acknowledge Jason Balaci for his guidance, for taking the time to help get me up to speed and for providing day–to–day advice and assistance.</a:t>
-            </a:r>
-          </a:p>
-          <a:p>
-            <a:endParaRPr lang="en-US" sz="2000" i="0" u="none" strike="noStrike" baseline="0" dirty="0">
+              <a:t> and Dr. Smith in making this opportunity available to me and being available for guidance throughout the summer. I would like to acknowledge Jason Balaci for his guidance, for taking the time to help get me up to speed and for providing day–to–day advice and assistance. Lastly, I would like to thank the Dean of Engineering for a portion of my funding this summer</a:t>
+            </a:r>
+          </a:p>
+          <a:p>
+            <a:endParaRPr lang="en-US" sz="1800" i="0" u="none" strike="noStrike" baseline="0" dirty="0">
               <a:solidFill>
                 <a:schemeClr val="tx1"/>
               </a:solidFill>
@@ -9946,7 +9953,7 @@
             </a:endParaRPr>
           </a:p>
           <a:p>
-            <a:endParaRPr lang="en-US" sz="2000" i="0" u="none" strike="noStrike" baseline="0" dirty="0">
+            <a:endParaRPr lang="en-US" sz="1800" i="0" u="none" strike="noStrike" baseline="0" dirty="0">
               <a:solidFill>
                 <a:schemeClr val="tx1"/>
               </a:solidFill>
@@ -9970,7 +9977,7 @@
         <p:spPr>
           <a:xfrm>
             <a:off x="24051466" y="11735967"/>
-            <a:ext cx="7245351" cy="2040232"/>
+            <a:ext cx="7245351" cy="1807998"/>
           </a:xfrm>
           <a:custGeom>
             <a:avLst/>
@@ -10058,7 +10065,7 @@
               <a:buChar char="•"/>
             </a:pPr>
             <a:r>
-              <a:rPr lang="en-US" sz="2000" dirty="0">
+              <a:rPr lang="en-US" sz="1800" dirty="0">
                 <a:solidFill>
                   <a:schemeClr val="tx1"/>
                 </a:solidFill>
@@ -10073,7 +10080,7 @@
               <a:buChar char="•"/>
             </a:pPr>
             <a:r>
-              <a:rPr lang="en-US" sz="2000" dirty="0">
+              <a:rPr lang="en-US" sz="1800" dirty="0">
                 <a:solidFill>
                   <a:schemeClr val="tx1"/>
                 </a:solidFill>
@@ -10115,7 +10122,7 @@
           <p:nvPr/>
         </p:nvPicPr>
         <p:blipFill>
-          <a:blip r:embed="rId12">
+          <a:blip r:embed="rId10">
             <a:extLst>
               <a:ext uri="{28A0092B-C50C-407E-A947-70E740481C1C}">
                 <a14:useLocalDpi xmlns:a14="http://schemas.microsoft.com/office/drawing/2010/main" val="0"/>
@@ -10136,6 +10143,286 @@
           </a:prstGeom>
         </p:spPr>
       </p:pic>
+      <p:grpSp>
+        <p:nvGrpSpPr>
+          <p:cNvPr id="39" name="Group 38">
+            <a:extLst>
+              <a:ext uri="{FF2B5EF4-FFF2-40B4-BE49-F238E27FC236}">
+                <a16:creationId xmlns:a16="http://schemas.microsoft.com/office/drawing/2014/main" id="{03697897-8519-D3BB-8F94-DF0D38D2DA73}"/>
+              </a:ext>
+            </a:extLst>
+          </p:cNvPr>
+          <p:cNvGrpSpPr>
+            <a:grpSpLocks noGrp="1" noUngrp="1" noRot="1" noMove="1" noResize="1"/>
+          </p:cNvGrpSpPr>
+          <p:nvPr/>
+        </p:nvGrpSpPr>
+        <p:grpSpPr>
+          <a:xfrm>
+            <a:off x="9745783" y="6656729"/>
+            <a:ext cx="14139416" cy="12797026"/>
+            <a:chOff x="2016000" y="1205118"/>
+            <a:chExt cx="27435463" cy="19253951"/>
+          </a:xfrm>
+        </p:grpSpPr>
+        <p:pic>
+          <p:nvPicPr>
+            <p:cNvPr id="36" name="Picture 35">
+              <a:extLst>
+                <a:ext uri="{FF2B5EF4-FFF2-40B4-BE49-F238E27FC236}">
+                  <a16:creationId xmlns:a16="http://schemas.microsoft.com/office/drawing/2014/main" id="{8F918CBE-E615-86AA-BBD4-09D1895F9AD3}"/>
+                </a:ext>
+              </a:extLst>
+            </p:cNvPr>
+            <p:cNvPicPr>
+              <a:picLocks noGrp="1" noRot="1" noChangeAspect="1" noMove="1" noResize="1" noEditPoints="1" noAdjustHandles="1" noChangeArrowheads="1" noChangeShapeType="1" noCrop="1"/>
+            </p:cNvPicPr>
+            <p:nvPr/>
+          </p:nvPicPr>
+          <p:blipFill>
+            <a:blip r:embed="rId11"/>
+            <a:stretch>
+              <a:fillRect/>
+            </a:stretch>
+          </p:blipFill>
+          <p:spPr>
+            <a:xfrm>
+              <a:off x="2025161" y="1205118"/>
+              <a:ext cx="27426302" cy="11736438"/>
+            </a:xfrm>
+            <a:prstGeom prst="rect">
+              <a:avLst/>
+            </a:prstGeom>
+          </p:spPr>
+        </p:pic>
+        <p:pic>
+          <p:nvPicPr>
+            <p:cNvPr id="38" name="Picture 37">
+              <a:extLst>
+                <a:ext uri="{FF2B5EF4-FFF2-40B4-BE49-F238E27FC236}">
+                  <a16:creationId xmlns:a16="http://schemas.microsoft.com/office/drawing/2014/main" id="{EC4FCD43-52F4-BCB3-64EB-85631EC2D12B}"/>
+                </a:ext>
+              </a:extLst>
+            </p:cNvPr>
+            <p:cNvPicPr>
+              <a:picLocks noGrp="1" noRot="1" noChangeAspect="1" noMove="1" noResize="1" noEditPoints="1" noAdjustHandles="1" noChangeArrowheads="1" noChangeShapeType="1" noCrop="1"/>
+            </p:cNvPicPr>
+            <p:nvPr/>
+          </p:nvPicPr>
+          <p:blipFill rotWithShape="1">
+            <a:blip r:embed="rId12">
+              <a:alphaModFix/>
+            </a:blip>
+            <a:srcRect/>
+            <a:stretch/>
+          </p:blipFill>
+          <p:spPr>
+            <a:xfrm>
+              <a:off x="2016000" y="8856000"/>
+              <a:ext cx="27426303" cy="11603069"/>
+            </a:xfrm>
+            <a:prstGeom prst="rect">
+              <a:avLst/>
+            </a:prstGeom>
+          </p:spPr>
+        </p:pic>
+      </p:grpSp>
+      <p:pic>
+        <p:nvPicPr>
+          <p:cNvPr id="49" name="Picture 48">
+            <a:extLst>
+              <a:ext uri="{FF2B5EF4-FFF2-40B4-BE49-F238E27FC236}">
+                <a16:creationId xmlns:a16="http://schemas.microsoft.com/office/drawing/2014/main" id="{6581FCDE-193C-FFFB-4D4A-F6ABCA5348CD}"/>
+              </a:ext>
+            </a:extLst>
+          </p:cNvPr>
+          <p:cNvPicPr>
+            <a:picLocks noGrp="1" noRot="1" noChangeAspect="1" noMove="1" noResize="1" noEditPoints="1" noAdjustHandles="1" noChangeArrowheads="1" noChangeShapeType="1" noCrop="1"/>
+          </p:cNvPicPr>
+          <p:nvPr/>
+        </p:nvPicPr>
+        <p:blipFill rotWithShape="1">
+          <a:blip r:embed="rId13"/>
+          <a:srcRect b="8194"/>
+          <a:stretch/>
+        </p:blipFill>
+        <p:spPr>
+          <a:xfrm>
+            <a:off x="16963817" y="16848025"/>
+            <a:ext cx="5609167" cy="2330825"/>
+          </a:xfrm>
+          <a:prstGeom prst="rect">
+            <a:avLst/>
+          </a:prstGeom>
+        </p:spPr>
+      </p:pic>
+      <p:sp>
+        <p:nvSpPr>
+          <p:cNvPr id="43" name="Arrow: Right 42">
+            <a:extLst>
+              <a:ext uri="{FF2B5EF4-FFF2-40B4-BE49-F238E27FC236}">
+                <a16:creationId xmlns:a16="http://schemas.microsoft.com/office/drawing/2014/main" id="{C91D01A1-2134-CC0F-E7AB-612100D5F40E}"/>
+              </a:ext>
+            </a:extLst>
+          </p:cNvPr>
+          <p:cNvSpPr/>
+          <p:nvPr/>
+        </p:nvSpPr>
+        <p:spPr>
+          <a:xfrm rot="10800000">
+            <a:off x="20895945" y="18839009"/>
+            <a:ext cx="904875" cy="157018"/>
+          </a:xfrm>
+          <a:prstGeom prst="rightArrow">
+            <a:avLst>
+              <a:gd name="adj1" fmla="val 0"/>
+              <a:gd name="adj2" fmla="val 124420"/>
+            </a:avLst>
+          </a:prstGeom>
+          <a:noFill/>
+          <a:ln>
+            <a:solidFill>
+              <a:schemeClr val="tx1"/>
+            </a:solidFill>
+          </a:ln>
+        </p:spPr>
+        <p:style>
+          <a:lnRef idx="2">
+            <a:schemeClr val="accent1">
+              <a:shade val="15000"/>
+            </a:schemeClr>
+          </a:lnRef>
+          <a:fillRef idx="1">
+            <a:schemeClr val="accent1"/>
+          </a:fillRef>
+          <a:effectRef idx="0">
+            <a:schemeClr val="accent1"/>
+          </a:effectRef>
+          <a:fontRef idx="minor">
+            <a:schemeClr val="lt1"/>
+          </a:fontRef>
+        </p:style>
+        <p:txBody>
+          <a:bodyPr rtlCol="0" anchor="ctr"/>
+          <a:lstStyle/>
+          <a:p>
+            <a:pPr algn="ctr"/>
+            <a:endParaRPr lang="en-CA"/>
+          </a:p>
+        </p:txBody>
+      </p:sp>
+      <p:sp>
+        <p:nvSpPr>
+          <p:cNvPr id="44" name="Arrow: Right 43">
+            <a:extLst>
+              <a:ext uri="{FF2B5EF4-FFF2-40B4-BE49-F238E27FC236}">
+                <a16:creationId xmlns:a16="http://schemas.microsoft.com/office/drawing/2014/main" id="{6BBBBCD0-ACBB-01DA-FAA7-185079AFDDC5}"/>
+              </a:ext>
+            </a:extLst>
+          </p:cNvPr>
+          <p:cNvSpPr/>
+          <p:nvPr/>
+        </p:nvSpPr>
+        <p:spPr>
+          <a:xfrm rot="10800000">
+            <a:off x="20860065" y="18466622"/>
+            <a:ext cx="904875" cy="157018"/>
+          </a:xfrm>
+          <a:prstGeom prst="rightArrow">
+            <a:avLst>
+              <a:gd name="adj1" fmla="val 0"/>
+              <a:gd name="adj2" fmla="val 124420"/>
+            </a:avLst>
+          </a:prstGeom>
+          <a:noFill/>
+          <a:ln>
+            <a:solidFill>
+              <a:schemeClr val="accent6">
+                <a:lumMod val="75000"/>
+              </a:schemeClr>
+            </a:solidFill>
+          </a:ln>
+        </p:spPr>
+        <p:style>
+          <a:lnRef idx="2">
+            <a:schemeClr val="accent1">
+              <a:shade val="15000"/>
+            </a:schemeClr>
+          </a:lnRef>
+          <a:fillRef idx="1">
+            <a:schemeClr val="accent1"/>
+          </a:fillRef>
+          <a:effectRef idx="0">
+            <a:schemeClr val="accent1"/>
+          </a:effectRef>
+          <a:fontRef idx="minor">
+            <a:schemeClr val="lt1"/>
+          </a:fontRef>
+        </p:style>
+        <p:txBody>
+          <a:bodyPr rtlCol="0" anchor="ctr"/>
+          <a:lstStyle/>
+          <a:p>
+            <a:pPr algn="ctr"/>
+            <a:endParaRPr lang="en-CA"/>
+          </a:p>
+        </p:txBody>
+      </p:sp>
+      <p:sp>
+        <p:nvSpPr>
+          <p:cNvPr id="45" name="Arrow: Right 44">
+            <a:extLst>
+              <a:ext uri="{FF2B5EF4-FFF2-40B4-BE49-F238E27FC236}">
+                <a16:creationId xmlns:a16="http://schemas.microsoft.com/office/drawing/2014/main" id="{6B6489C2-7F15-71D4-A655-E5EA7397573B}"/>
+              </a:ext>
+            </a:extLst>
+          </p:cNvPr>
+          <p:cNvSpPr/>
+          <p:nvPr/>
+        </p:nvSpPr>
+        <p:spPr>
+          <a:xfrm rot="10800000">
+            <a:off x="20860066" y="18068430"/>
+            <a:ext cx="904875" cy="157018"/>
+          </a:xfrm>
+          <a:prstGeom prst="rightArrow">
+            <a:avLst>
+              <a:gd name="adj1" fmla="val 0"/>
+              <a:gd name="adj2" fmla="val 124420"/>
+            </a:avLst>
+          </a:prstGeom>
+          <a:noFill/>
+          <a:ln>
+            <a:solidFill>
+              <a:srgbClr val="7030A0"/>
+            </a:solidFill>
+          </a:ln>
+        </p:spPr>
+        <p:style>
+          <a:lnRef idx="2">
+            <a:schemeClr val="accent1">
+              <a:shade val="15000"/>
+            </a:schemeClr>
+          </a:lnRef>
+          <a:fillRef idx="1">
+            <a:schemeClr val="accent1"/>
+          </a:fillRef>
+          <a:effectRef idx="0">
+            <a:schemeClr val="accent1"/>
+          </a:effectRef>
+          <a:fontRef idx="minor">
+            <a:schemeClr val="lt1"/>
+          </a:fontRef>
+        </p:style>
+        <p:txBody>
+          <a:bodyPr rtlCol="0" anchor="ctr"/>
+          <a:lstStyle/>
+          <a:p>
+            <a:pPr algn="ctr"/>
+            <a:endParaRPr lang="en-CA"/>
+          </a:p>
+        </p:txBody>
+      </p:sp>
     </p:spTree>
     <p:extLst>
       <p:ext uri="{BB962C8B-B14F-4D97-AF65-F5344CB8AC3E}">
